--- a/doc/ppt/第六课-学生管理系统实战开发.pptx
+++ b/doc/ppt/第六课-学生管理系统实战开发.pptx
@@ -250,7 +250,7 @@
           <a:p>
             <a:fld id="{8F215CD0-246A-41DA-9E06-E0ABF91A38FE}" type="datetimeFigureOut">
               <a:rPr lang="zh-CN" altLang="en-US" smtClean="0"/>
-              <a:t>2017/8/4</a:t>
+              <a:t>2017/8/5</a:t>
             </a:fld>
             <a:endParaRPr lang="zh-CN" altLang="en-US"/>
           </a:p>
@@ -420,7 +420,7 @@
           <a:p>
             <a:fld id="{8F215CD0-246A-41DA-9E06-E0ABF91A38FE}" type="datetimeFigureOut">
               <a:rPr lang="zh-CN" altLang="en-US" smtClean="0"/>
-              <a:t>2017/8/4</a:t>
+              <a:t>2017/8/5</a:t>
             </a:fld>
             <a:endParaRPr lang="zh-CN" altLang="en-US"/>
           </a:p>
@@ -600,7 +600,7 @@
           <a:p>
             <a:fld id="{8F215CD0-246A-41DA-9E06-E0ABF91A38FE}" type="datetimeFigureOut">
               <a:rPr lang="zh-CN" altLang="en-US" smtClean="0"/>
-              <a:t>2017/8/4</a:t>
+              <a:t>2017/8/5</a:t>
             </a:fld>
             <a:endParaRPr lang="zh-CN" altLang="en-US"/>
           </a:p>
@@ -770,7 +770,7 @@
           <a:p>
             <a:fld id="{8F215CD0-246A-41DA-9E06-E0ABF91A38FE}" type="datetimeFigureOut">
               <a:rPr lang="zh-CN" altLang="en-US" smtClean="0"/>
-              <a:t>2017/8/4</a:t>
+              <a:t>2017/8/5</a:t>
             </a:fld>
             <a:endParaRPr lang="zh-CN" altLang="en-US"/>
           </a:p>
@@ -1016,7 +1016,7 @@
           <a:p>
             <a:fld id="{8F215CD0-246A-41DA-9E06-E0ABF91A38FE}" type="datetimeFigureOut">
               <a:rPr lang="zh-CN" altLang="en-US" smtClean="0"/>
-              <a:t>2017/8/4</a:t>
+              <a:t>2017/8/5</a:t>
             </a:fld>
             <a:endParaRPr lang="zh-CN" altLang="en-US"/>
           </a:p>
@@ -1248,7 +1248,7 @@
           <a:p>
             <a:fld id="{8F215CD0-246A-41DA-9E06-E0ABF91A38FE}" type="datetimeFigureOut">
               <a:rPr lang="zh-CN" altLang="en-US" smtClean="0"/>
-              <a:t>2017/8/4</a:t>
+              <a:t>2017/8/5</a:t>
             </a:fld>
             <a:endParaRPr lang="zh-CN" altLang="en-US"/>
           </a:p>
@@ -1615,7 +1615,7 @@
           <a:p>
             <a:fld id="{8F215CD0-246A-41DA-9E06-E0ABF91A38FE}" type="datetimeFigureOut">
               <a:rPr lang="zh-CN" altLang="en-US" smtClean="0"/>
-              <a:t>2017/8/4</a:t>
+              <a:t>2017/8/5</a:t>
             </a:fld>
             <a:endParaRPr lang="zh-CN" altLang="en-US"/>
           </a:p>
@@ -1733,7 +1733,7 @@
           <a:p>
             <a:fld id="{8F215CD0-246A-41DA-9E06-E0ABF91A38FE}" type="datetimeFigureOut">
               <a:rPr lang="zh-CN" altLang="en-US" smtClean="0"/>
-              <a:t>2017/8/4</a:t>
+              <a:t>2017/8/5</a:t>
             </a:fld>
             <a:endParaRPr lang="zh-CN" altLang="en-US"/>
           </a:p>
@@ -1828,7 +1828,7 @@
           <a:p>
             <a:fld id="{8F215CD0-246A-41DA-9E06-E0ABF91A38FE}" type="datetimeFigureOut">
               <a:rPr lang="zh-CN" altLang="en-US" smtClean="0"/>
-              <a:t>2017/8/4</a:t>
+              <a:t>2017/8/5</a:t>
             </a:fld>
             <a:endParaRPr lang="zh-CN" altLang="en-US"/>
           </a:p>
@@ -2105,7 +2105,7 @@
           <a:p>
             <a:fld id="{8F215CD0-246A-41DA-9E06-E0ABF91A38FE}" type="datetimeFigureOut">
               <a:rPr lang="zh-CN" altLang="en-US" smtClean="0"/>
-              <a:t>2017/8/4</a:t>
+              <a:t>2017/8/5</a:t>
             </a:fld>
             <a:endParaRPr lang="zh-CN" altLang="en-US"/>
           </a:p>
@@ -2358,7 +2358,7 @@
           <a:p>
             <a:fld id="{8F215CD0-246A-41DA-9E06-E0ABF91A38FE}" type="datetimeFigureOut">
               <a:rPr lang="zh-CN" altLang="en-US" smtClean="0"/>
-              <a:t>2017/8/4</a:t>
+              <a:t>2017/8/5</a:t>
             </a:fld>
             <a:endParaRPr lang="zh-CN" altLang="en-US"/>
           </a:p>
@@ -2571,7 +2571,7 @@
           <a:p>
             <a:fld id="{8F215CD0-246A-41DA-9E06-E0ABF91A38FE}" type="datetimeFigureOut">
               <a:rPr lang="zh-CN" altLang="en-US" smtClean="0"/>
-              <a:t>2017/8/4</a:t>
+              <a:t>2017/8/5</a:t>
             </a:fld>
             <a:endParaRPr lang="zh-CN" altLang="en-US"/>
           </a:p>
@@ -3028,6 +3028,13 @@
   <p:clrMapOvr>
     <a:masterClrMapping/>
   </p:clrMapOvr>
+  <p:timing>
+    <p:tnLst>
+      <p:par>
+        <p:cTn id="1" dur="indefinite" restart="never" nodeType="tmRoot"/>
+      </p:par>
+    </p:tnLst>
+  </p:timing>
 </p:sld>
 </file>
 
@@ -3139,6 +3146,13 @@
   <p:clrMapOvr>
     <a:masterClrMapping/>
   </p:clrMapOvr>
+  <p:timing>
+    <p:tnLst>
+      <p:par>
+        <p:cTn id="1" dur="indefinite" restart="never" nodeType="tmRoot"/>
+      </p:par>
+    </p:tnLst>
+  </p:timing>
 </p:sld>
 </file>
 
@@ -3245,6 +3259,13 @@
   <p:clrMapOvr>
     <a:masterClrMapping/>
   </p:clrMapOvr>
+  <p:timing>
+    <p:tnLst>
+      <p:par>
+        <p:cTn id="1" dur="indefinite" restart="never" nodeType="tmRoot"/>
+      </p:par>
+    </p:tnLst>
+  </p:timing>
 </p:sld>
 </file>
 
@@ -3398,6 +3419,13 @@
   <p:clrMapOvr>
     <a:masterClrMapping/>
   </p:clrMapOvr>
+  <p:timing>
+    <p:tnLst>
+      <p:par>
+        <p:cTn id="1" dur="indefinite" restart="never" nodeType="tmRoot"/>
+      </p:par>
+    </p:tnLst>
+  </p:timing>
 </p:sld>
 </file>
 
@@ -3634,6 +3662,13 @@
   <p:clrMapOvr>
     <a:masterClrMapping/>
   </p:clrMapOvr>
+  <p:timing>
+    <p:tnLst>
+      <p:par>
+        <p:cTn id="1" dur="indefinite" restart="never" nodeType="tmRoot"/>
+      </p:par>
+    </p:tnLst>
+  </p:timing>
 </p:sld>
 </file>
 
@@ -3788,6 +3823,13 @@
   <p:clrMapOvr>
     <a:masterClrMapping/>
   </p:clrMapOvr>
+  <p:timing>
+    <p:tnLst>
+      <p:par>
+        <p:cTn id="1" dur="indefinite" restart="never" nodeType="tmRoot"/>
+      </p:par>
+    </p:tnLst>
+  </p:timing>
 </p:sld>
 </file>
 
@@ -3943,7 +3985,15 @@
             <a:pPr lvl="2"/>
             <a:r>
               <a:rPr lang="en-US" altLang="zh-CN" dirty="0" err="1" smtClean="0"/>
-              <a:t>show_student.php</a:t>
+              <a:t>show_student</a:t>
+            </a:r>
+            <a:r>
+              <a:rPr lang="en-US" altLang="zh-CN" dirty="0" err="1" smtClean="0"/>
+              <a:t>_detail</a:t>
+            </a:r>
+            <a:r>
+              <a:rPr lang="en-US" altLang="zh-CN" dirty="0" err="1" smtClean="0"/>
+              <a:t>.php</a:t>
             </a:r>
             <a:r>
               <a:rPr lang="en-US" altLang="zh-CN" dirty="0" smtClean="0"/>
@@ -4019,6 +4069,13 @@
   <p:clrMapOvr>
     <a:masterClrMapping/>
   </p:clrMapOvr>
+  <p:timing>
+    <p:tnLst>
+      <p:par>
+        <p:cTn id="1" dur="indefinite" restart="never" nodeType="tmRoot"/>
+      </p:par>
+    </p:tnLst>
+  </p:timing>
 </p:sld>
 </file>
 
@@ -4091,6 +4148,13 @@
   <p:clrMapOvr>
     <a:masterClrMapping/>
   </p:clrMapOvr>
+  <p:timing>
+    <p:tnLst>
+      <p:par>
+        <p:cTn id="1" dur="indefinite" restart="never" nodeType="tmRoot"/>
+      </p:par>
+    </p:tnLst>
+  </p:timing>
 </p:sld>
 </file>
 

--- a/doc/ppt/第六课-学生管理系统实战开发.pptx
+++ b/doc/ppt/第六课-学生管理系统实战开发.pptx
@@ -3985,15 +3985,7 @@
             <a:pPr lvl="2"/>
             <a:r>
               <a:rPr lang="en-US" altLang="zh-CN" dirty="0" err="1" smtClean="0"/>
-              <a:t>show_student</a:t>
-            </a:r>
-            <a:r>
-              <a:rPr lang="en-US" altLang="zh-CN" dirty="0" err="1" smtClean="0"/>
-              <a:t>_detail</a:t>
-            </a:r>
-            <a:r>
-              <a:rPr lang="en-US" altLang="zh-CN" dirty="0" err="1" smtClean="0"/>
-              <a:t>.php</a:t>
+              <a:t>show_student_detail.php</a:t>
             </a:r>
             <a:r>
               <a:rPr lang="en-US" altLang="zh-CN" dirty="0" smtClean="0"/>
